--- a/Documentatie/EindRetrospective.pptx
+++ b/Documentatie/EindRetrospective.pptx
@@ -5,7 +5,7 @@
     <p:sldMasterId id="2147483648" r:id="rId1"/>
   </p:sldMasterIdLst>
   <p:notesMasterIdLst>
-    <p:notesMasterId r:id="rId11"/>
+    <p:notesMasterId r:id="rId16"/>
   </p:notesMasterIdLst>
   <p:sldIdLst>
     <p:sldId id="256" r:id="rId2"/>
@@ -16,24 +16,29 @@
     <p:sldId id="261" r:id="rId7"/>
     <p:sldId id="262" r:id="rId8"/>
     <p:sldId id="263" r:id="rId9"/>
-    <p:sldId id="264" r:id="rId10"/>
+    <p:sldId id="268" r:id="rId10"/>
+    <p:sldId id="264" r:id="rId11"/>
+    <p:sldId id="267" r:id="rId12"/>
+    <p:sldId id="269" r:id="rId13"/>
+    <p:sldId id="266" r:id="rId14"/>
+    <p:sldId id="265" r:id="rId15"/>
   </p:sldIdLst>
   <p:sldSz cx="9144000" cy="5143500" type="screen16x9"/>
   <p:notesSz cx="6858000" cy="9144000"/>
   <p:embeddedFontLst>
     <p:embeddedFont>
       <p:font typeface="Proxima Nova" panose="020B0604020202020204" charset="0"/>
-      <p:regular r:id="rId12"/>
-      <p:bold r:id="rId13"/>
-      <p:italic r:id="rId14"/>
-      <p:boldItalic r:id="rId15"/>
+      <p:regular r:id="rId17"/>
+      <p:bold r:id="rId18"/>
+      <p:italic r:id="rId19"/>
+      <p:boldItalic r:id="rId20"/>
     </p:embeddedFont>
     <p:embeddedFont>
       <p:font typeface="Verdana" panose="020B0604030504040204" pitchFamily="34" charset="0"/>
-      <p:regular r:id="rId16"/>
-      <p:bold r:id="rId17"/>
-      <p:italic r:id="rId18"/>
-      <p:boldItalic r:id="rId19"/>
+      <p:regular r:id="rId21"/>
+      <p:bold r:id="rId22"/>
+      <p:italic r:id="rId23"/>
+      <p:boldItalic r:id="rId24"/>
     </p:embeddedFont>
   </p:embeddedFontLst>
   <p:defaultTextStyle>
@@ -270,7 +275,7 @@
       <p15:sldGuideLst xmlns:p15="http://schemas.microsoft.com/office/powerpoint/2012/main"/>
     </p:ext>
     <p:ext uri="http://customooxmlschemas.google.com/">
-      <go:slidesCustomData xmlns="" xmlns:mc="http://schemas.openxmlformats.org/markup-compatibility/2006" xmlns:mv="urn:schemas-microsoft-com:mac:vml" xmlns:c="http://schemas.openxmlformats.org/drawingml/2006/chart" xmlns:dgm="http://schemas.openxmlformats.org/drawingml/2006/diagram" xmlns:o="urn:schemas-microsoft-com:office:office" xmlns:v="urn:schemas-microsoft-com:vml" xmlns:pvml="urn:schemas-microsoft-com:office:powerpoint" xmlns:com="http://schemas.openxmlformats.org/drawingml/2006/compatibility" xmlns:p14="http://schemas.microsoft.com/office/powerpoint/2010/main" xmlns:p15="http://schemas.microsoft.com/office/powerpoint/2012/main" xmlns:ahyp="http://schemas.microsoft.com/office/drawing/2018/hyperlinkcolor" xmlns:go="http://customooxmlschemas.google.com/" r:id="rId40" roundtripDataSignature="AMtx7mhI+H0xUi6+F5Mv5Hg7qEBA4pgM4Q=="/>
+      <go:slidesCustomData xmlns:go="http://customooxmlschemas.google.com/" xmlns:ahyp="http://schemas.microsoft.com/office/drawing/2018/hyperlinkcolor" xmlns:p15="http://schemas.microsoft.com/office/powerpoint/2012/main" xmlns:p14="http://schemas.microsoft.com/office/powerpoint/2010/main" xmlns:com="http://schemas.openxmlformats.org/drawingml/2006/compatibility" xmlns:pvml="urn:schemas-microsoft-com:office:powerpoint" xmlns:v="urn:schemas-microsoft-com:vml" xmlns:o="urn:schemas-microsoft-com:office:office" xmlns:dgm="http://schemas.openxmlformats.org/drawingml/2006/diagram" xmlns:c="http://schemas.openxmlformats.org/drawingml/2006/chart" xmlns:mv="urn:schemas-microsoft-com:mac:vml" xmlns:mc="http://schemas.openxmlformats.org/markup-compatibility/2006" xmlns="" r:id="rId40" roundtripDataSignature="AMtx7mhI+H0xUi6+F5Mv5Hg7qEBA4pgM4Q=="/>
     </p:ext>
   </p:extLst>
 </p:presentation>
@@ -1908,7 +1913,7 @@
             </a:pPr>
             <a:fld id="{00000000-1234-1234-1234-123412341234}" type="slidenum">
               <a:rPr lang="nl"/>
-              <a:t>‹nr.›</a:t>
+              <a:t>‹#›</a:t>
             </a:fld>
             <a:endParaRPr/>
           </a:p>
@@ -2569,7 +2574,7 @@
             </a:pPr>
             <a:fld id="{00000000-1234-1234-1234-123412341234}" type="slidenum">
               <a:rPr lang="nl"/>
-              <a:t>‹nr.›</a:t>
+              <a:t>‹#›</a:t>
             </a:fld>
             <a:endParaRPr/>
           </a:p>
@@ -3043,7 +3048,7 @@
             </a:pPr>
             <a:fld id="{00000000-1234-1234-1234-123412341234}" type="slidenum">
               <a:rPr lang="nl"/>
-              <a:t>‹nr.›</a:t>
+              <a:t>‹#›</a:t>
             </a:fld>
             <a:endParaRPr/>
           </a:p>
@@ -3677,7 +3682,7 @@
             </a:pPr>
             <a:fld id="{00000000-1234-1234-1234-123412341234}" type="slidenum">
               <a:rPr lang="nl"/>
-              <a:t>‹nr.›</a:t>
+              <a:t>‹#›</a:t>
             </a:fld>
             <a:endParaRPr/>
           </a:p>
@@ -4151,7 +4156,7 @@
             </a:pPr>
             <a:fld id="{00000000-1234-1234-1234-123412341234}" type="slidenum">
               <a:rPr lang="nl"/>
-              <a:t>‹nr.›</a:t>
+              <a:t>‹#›</a:t>
             </a:fld>
             <a:endParaRPr/>
           </a:p>
@@ -5001,7 +5006,7 @@
             </a:pPr>
             <a:fld id="{00000000-1234-1234-1234-123412341234}" type="slidenum">
               <a:rPr lang="nl"/>
-              <a:t>‹nr.›</a:t>
+              <a:t>‹#›</a:t>
             </a:fld>
             <a:endParaRPr/>
           </a:p>
@@ -5363,7 +5368,7 @@
             </a:pPr>
             <a:fld id="{00000000-1234-1234-1234-123412341234}" type="slidenum">
               <a:rPr lang="nl"/>
-              <a:t>‹nr.›</a:t>
+              <a:t>‹#›</a:t>
             </a:fld>
             <a:endParaRPr/>
           </a:p>
@@ -5999,7 +6004,7 @@
             </a:pPr>
             <a:fld id="{00000000-1234-1234-1234-123412341234}" type="slidenum">
               <a:rPr lang="nl"/>
-              <a:t>‹nr.›</a:t>
+              <a:t>‹#›</a:t>
             </a:fld>
             <a:endParaRPr/>
           </a:p>
@@ -6313,7 +6318,7 @@
             </a:pPr>
             <a:fld id="{00000000-1234-1234-1234-123412341234}" type="slidenum">
               <a:rPr lang="nl"/>
-              <a:t>‹nr.›</a:t>
+              <a:t>‹#›</a:t>
             </a:fld>
             <a:endParaRPr/>
           </a:p>
@@ -7233,7 +7238,7 @@
             </a:pPr>
             <a:fld id="{00000000-1234-1234-1234-123412341234}" type="slidenum">
               <a:rPr lang="nl"/>
-              <a:t>‹nr.›</a:t>
+              <a:t>‹#›</a:t>
             </a:fld>
             <a:endParaRPr/>
           </a:p>
@@ -8091,8 +8096,8 @@
               <a:buNone/>
             </a:pPr>
             <a:r>
-              <a:rPr lang="nl" dirty="0"/>
-              <a:t>Laatste retrospective</a:t>
+              <a:rPr lang="nl-BE" dirty="0"/>
+              <a:t>Project</a:t>
             </a:r>
             <a:endParaRPr dirty="0"/>
           </a:p>
@@ -8184,6 +8189,769 @@
         </p:txBody>
       </p:sp>
     </p:spTree>
+  </p:cSld>
+  <p:clrMapOvr>
+    <a:masterClrMapping/>
+  </p:clrMapOvr>
+</p:sld>
+</file>
+
+<file path=ppt/slides/slide10.xml><?xml version="1.0" encoding="utf-8"?>
+<p:sld xmlns:a="http://schemas.openxmlformats.org/drawingml/2006/main" xmlns:r="http://schemas.openxmlformats.org/officeDocument/2006/relationships" xmlns:p="http://schemas.openxmlformats.org/presentationml/2006/main">
+  <p:cSld>
+    <p:spTree>
+      <p:nvGrpSpPr>
+        <p:cNvPr id="1" name=""/>
+        <p:cNvGrpSpPr/>
+        <p:nvPr/>
+      </p:nvGrpSpPr>
+      <p:grpSpPr>
+        <a:xfrm>
+          <a:off x="0" y="0"/>
+          <a:ext cx="0" cy="0"/>
+          <a:chOff x="0" y="0"/>
+          <a:chExt cx="0" cy="0"/>
+        </a:xfrm>
+      </p:grpSpPr>
+      <p:sp>
+        <p:nvSpPr>
+          <p:cNvPr id="2" name="Titel 1">
+            <a:extLst>
+              <a:ext uri="{FF2B5EF4-FFF2-40B4-BE49-F238E27FC236}">
+                <a16:creationId xmlns:a16="http://schemas.microsoft.com/office/drawing/2014/main" id="{45989448-F6B0-98ED-49D6-7629FDBC13FE}"/>
+              </a:ext>
+            </a:extLst>
+          </p:cNvPr>
+          <p:cNvSpPr>
+            <a:spLocks noGrp="1"/>
+          </p:cNvSpPr>
+          <p:nvPr>
+            <p:ph type="title"/>
+          </p:nvPr>
+        </p:nvSpPr>
+        <p:spPr/>
+        <p:txBody>
+          <a:bodyPr/>
+          <a:lstStyle/>
+          <a:p>
+            <a:r>
+              <a:rPr lang="nl-NL" dirty="0"/>
+              <a:t>Data model</a:t>
+            </a:r>
+            <a:endParaRPr lang="nl-BE" dirty="0"/>
+          </a:p>
+        </p:txBody>
+      </p:sp>
+      <p:sp>
+        <p:nvSpPr>
+          <p:cNvPr id="3" name="Tijdelijke aanduiding voor tekst 2">
+            <a:extLst>
+              <a:ext uri="{FF2B5EF4-FFF2-40B4-BE49-F238E27FC236}">
+                <a16:creationId xmlns:a16="http://schemas.microsoft.com/office/drawing/2014/main" id="{E19E1603-7DD8-3CAD-8B31-40AE574F1A8F}"/>
+              </a:ext>
+            </a:extLst>
+          </p:cNvPr>
+          <p:cNvSpPr>
+            <a:spLocks noGrp="1"/>
+          </p:cNvSpPr>
+          <p:nvPr>
+            <p:ph type="body" idx="1"/>
+          </p:nvPr>
+        </p:nvSpPr>
+        <p:spPr/>
+        <p:txBody>
+          <a:bodyPr/>
+          <a:lstStyle/>
+          <a:p>
+            <a:pPr marL="114300" indent="0">
+              <a:buNone/>
+            </a:pPr>
+            <a:endParaRPr lang="nl-BE" dirty="0"/>
+          </a:p>
+        </p:txBody>
+      </p:sp>
+      <p:sp>
+        <p:nvSpPr>
+          <p:cNvPr id="4" name="Tijdelijke aanduiding voor dianummer 3">
+            <a:extLst>
+              <a:ext uri="{FF2B5EF4-FFF2-40B4-BE49-F238E27FC236}">
+                <a16:creationId xmlns:a16="http://schemas.microsoft.com/office/drawing/2014/main" id="{AD6B646F-FF23-0B0F-4621-DDAC7F2D14EC}"/>
+              </a:ext>
+            </a:extLst>
+          </p:cNvPr>
+          <p:cNvSpPr>
+            <a:spLocks noGrp="1"/>
+          </p:cNvSpPr>
+          <p:nvPr>
+            <p:ph type="sldNum" idx="12"/>
+          </p:nvPr>
+        </p:nvSpPr>
+        <p:spPr/>
+        <p:txBody>
+          <a:bodyPr/>
+          <a:lstStyle/>
+          <a:p>
+            <a:pPr marL="0" lvl="0" indent="0" algn="ctr" rtl="0">
+              <a:spcBef>
+                <a:spcPts val="0"/>
+              </a:spcBef>
+              <a:spcAft>
+                <a:spcPts val="0"/>
+              </a:spcAft>
+              <a:buNone/>
+            </a:pPr>
+            <a:fld id="{00000000-1234-1234-1234-123412341234}" type="slidenum">
+              <a:rPr lang="nl-BE" smtClean="0"/>
+              <a:t>10</a:t>
+            </a:fld>
+            <a:endParaRPr lang="nl-BE"/>
+          </a:p>
+        </p:txBody>
+      </p:sp>
+      <p:pic>
+        <p:nvPicPr>
+          <p:cNvPr id="8" name="Picture 7">
+            <a:extLst>
+              <a:ext uri="{FF2B5EF4-FFF2-40B4-BE49-F238E27FC236}">
+                <a16:creationId xmlns:a16="http://schemas.microsoft.com/office/drawing/2014/main" id="{DA622020-441D-94E7-A8D0-D9555F08DAE1}"/>
+              </a:ext>
+            </a:extLst>
+          </p:cNvPr>
+          <p:cNvPicPr>
+            <a:picLocks noChangeAspect="1"/>
+          </p:cNvPicPr>
+          <p:nvPr/>
+        </p:nvPicPr>
+        <p:blipFill>
+          <a:blip r:embed="rId2"/>
+          <a:stretch>
+            <a:fillRect/>
+          </a:stretch>
+        </p:blipFill>
+        <p:spPr>
+          <a:xfrm>
+            <a:off x="460917" y="583853"/>
+            <a:ext cx="8192430" cy="3961415"/>
+          </a:xfrm>
+          <a:prstGeom prst="rect">
+            <a:avLst/>
+          </a:prstGeom>
+        </p:spPr>
+      </p:pic>
+    </p:spTree>
+    <p:extLst>
+      <p:ext uri="{BB962C8B-B14F-4D97-AF65-F5344CB8AC3E}">
+        <p14:creationId xmlns:p14="http://schemas.microsoft.com/office/powerpoint/2010/main" val="3604832205"/>
+      </p:ext>
+    </p:extLst>
+  </p:cSld>
+  <p:clrMapOvr>
+    <a:masterClrMapping/>
+  </p:clrMapOvr>
+</p:sld>
+</file>
+
+<file path=ppt/slides/slide11.xml><?xml version="1.0" encoding="utf-8"?>
+<p:sld xmlns:a="http://schemas.openxmlformats.org/drawingml/2006/main" xmlns:r="http://schemas.openxmlformats.org/officeDocument/2006/relationships" xmlns:p="http://schemas.openxmlformats.org/presentationml/2006/main">
+  <p:cSld>
+    <p:spTree>
+      <p:nvGrpSpPr>
+        <p:cNvPr id="1" name=""/>
+        <p:cNvGrpSpPr/>
+        <p:nvPr/>
+      </p:nvGrpSpPr>
+      <p:grpSpPr>
+        <a:xfrm>
+          <a:off x="0" y="0"/>
+          <a:ext cx="0" cy="0"/>
+          <a:chOff x="0" y="0"/>
+          <a:chExt cx="0" cy="0"/>
+        </a:xfrm>
+      </p:grpSpPr>
+      <p:sp>
+        <p:nvSpPr>
+          <p:cNvPr id="2" name="Titel 1">
+            <a:extLst>
+              <a:ext uri="{FF2B5EF4-FFF2-40B4-BE49-F238E27FC236}">
+                <a16:creationId xmlns:a16="http://schemas.microsoft.com/office/drawing/2014/main" id="{45989448-F6B0-98ED-49D6-7629FDBC13FE}"/>
+              </a:ext>
+            </a:extLst>
+          </p:cNvPr>
+          <p:cNvSpPr>
+            <a:spLocks noGrp="1"/>
+          </p:cNvSpPr>
+          <p:nvPr>
+            <p:ph type="title"/>
+          </p:nvPr>
+        </p:nvSpPr>
+        <p:spPr/>
+        <p:txBody>
+          <a:bodyPr/>
+          <a:lstStyle/>
+          <a:p>
+            <a:r>
+              <a:rPr lang="nl-NL" dirty="0"/>
+              <a:t>Opbouw</a:t>
+            </a:r>
+            <a:endParaRPr lang="nl-BE" dirty="0"/>
+          </a:p>
+        </p:txBody>
+      </p:sp>
+      <p:sp>
+        <p:nvSpPr>
+          <p:cNvPr id="3" name="Tijdelijke aanduiding voor tekst 2">
+            <a:extLst>
+              <a:ext uri="{FF2B5EF4-FFF2-40B4-BE49-F238E27FC236}">
+                <a16:creationId xmlns:a16="http://schemas.microsoft.com/office/drawing/2014/main" id="{E19E1603-7DD8-3CAD-8B31-40AE574F1A8F}"/>
+              </a:ext>
+            </a:extLst>
+          </p:cNvPr>
+          <p:cNvSpPr>
+            <a:spLocks noGrp="1"/>
+          </p:cNvSpPr>
+          <p:nvPr>
+            <p:ph type="body" idx="1"/>
+          </p:nvPr>
+        </p:nvSpPr>
+        <p:spPr/>
+        <p:txBody>
+          <a:bodyPr/>
+          <a:lstStyle/>
+          <a:p>
+            <a:pPr marL="114300" indent="0">
+              <a:buNone/>
+            </a:pPr>
+            <a:r>
+              <a:rPr lang="nl-BE" dirty="0"/>
+              <a:t>Abstract </a:t>
+            </a:r>
+            <a:r>
+              <a:rPr lang="nl-BE" dirty="0">
+                <a:sym typeface="Wingdings" panose="05000000000000000000" pitchFamily="2" charset="2"/>
+              </a:rPr>
+              <a:t> Specifiek</a:t>
+            </a:r>
+          </a:p>
+          <a:p>
+            <a:r>
+              <a:rPr lang="nl-BE" dirty="0">
+                <a:sym typeface="Wingdings" panose="05000000000000000000" pitchFamily="2" charset="2"/>
+              </a:rPr>
+              <a:t>CRUD</a:t>
+            </a:r>
+          </a:p>
+          <a:p>
+            <a:pPr marL="114300" indent="0">
+              <a:buNone/>
+            </a:pPr>
+            <a:endParaRPr lang="nl-BE" dirty="0">
+              <a:sym typeface="Wingdings" panose="05000000000000000000" pitchFamily="2" charset="2"/>
+            </a:endParaRPr>
+          </a:p>
+          <a:p>
+            <a:pPr marL="114300" indent="0">
+              <a:buNone/>
+            </a:pPr>
+            <a:r>
+              <a:rPr lang="nl-BE" dirty="0">
+                <a:sym typeface="Wingdings" panose="05000000000000000000" pitchFamily="2" charset="2"/>
+              </a:rPr>
+              <a:t>Werken volgens eenzelfde structuur</a:t>
+            </a:r>
+          </a:p>
+          <a:p>
+            <a:r>
+              <a:rPr lang="nl-BE" dirty="0">
+                <a:sym typeface="Wingdings" panose="05000000000000000000" pitchFamily="2" charset="2"/>
+              </a:rPr>
+              <a:t>Views &amp; </a:t>
+            </a:r>
+            <a:r>
+              <a:rPr lang="nl-BE" dirty="0" err="1">
+                <a:sym typeface="Wingdings" panose="05000000000000000000" pitchFamily="2" charset="2"/>
+              </a:rPr>
+              <a:t>VM’s</a:t>
+            </a:r>
+            <a:endParaRPr lang="nl-BE" dirty="0"/>
+          </a:p>
+        </p:txBody>
+      </p:sp>
+      <p:sp>
+        <p:nvSpPr>
+          <p:cNvPr id="4" name="Tijdelijke aanduiding voor dianummer 3">
+            <a:extLst>
+              <a:ext uri="{FF2B5EF4-FFF2-40B4-BE49-F238E27FC236}">
+                <a16:creationId xmlns:a16="http://schemas.microsoft.com/office/drawing/2014/main" id="{AD6B646F-FF23-0B0F-4621-DDAC7F2D14EC}"/>
+              </a:ext>
+            </a:extLst>
+          </p:cNvPr>
+          <p:cNvSpPr>
+            <a:spLocks noGrp="1"/>
+          </p:cNvSpPr>
+          <p:nvPr>
+            <p:ph type="sldNum" idx="12"/>
+          </p:nvPr>
+        </p:nvSpPr>
+        <p:spPr/>
+        <p:txBody>
+          <a:bodyPr/>
+          <a:lstStyle/>
+          <a:p>
+            <a:pPr marL="0" lvl="0" indent="0" algn="ctr" rtl="0">
+              <a:spcBef>
+                <a:spcPts val="0"/>
+              </a:spcBef>
+              <a:spcAft>
+                <a:spcPts val="0"/>
+              </a:spcAft>
+              <a:buNone/>
+            </a:pPr>
+            <a:fld id="{00000000-1234-1234-1234-123412341234}" type="slidenum">
+              <a:rPr lang="nl-BE" smtClean="0"/>
+              <a:t>11</a:t>
+            </a:fld>
+            <a:endParaRPr lang="nl-BE"/>
+          </a:p>
+        </p:txBody>
+      </p:sp>
+    </p:spTree>
+    <p:extLst>
+      <p:ext uri="{BB962C8B-B14F-4D97-AF65-F5344CB8AC3E}">
+        <p14:creationId xmlns:p14="http://schemas.microsoft.com/office/powerpoint/2010/main" val="1844694243"/>
+      </p:ext>
+    </p:extLst>
+  </p:cSld>
+  <p:clrMapOvr>
+    <a:masterClrMapping/>
+  </p:clrMapOvr>
+</p:sld>
+</file>
+
+<file path=ppt/slides/slide12.xml><?xml version="1.0" encoding="utf-8"?>
+<p:sld xmlns:a="http://schemas.openxmlformats.org/drawingml/2006/main" xmlns:r="http://schemas.openxmlformats.org/officeDocument/2006/relationships" xmlns:p="http://schemas.openxmlformats.org/presentationml/2006/main">
+  <p:cSld>
+    <p:spTree>
+      <p:nvGrpSpPr>
+        <p:cNvPr id="1" name=""/>
+        <p:cNvGrpSpPr/>
+        <p:nvPr/>
+      </p:nvGrpSpPr>
+      <p:grpSpPr>
+        <a:xfrm>
+          <a:off x="0" y="0"/>
+          <a:ext cx="0" cy="0"/>
+          <a:chOff x="0" y="0"/>
+          <a:chExt cx="0" cy="0"/>
+        </a:xfrm>
+      </p:grpSpPr>
+      <p:sp>
+        <p:nvSpPr>
+          <p:cNvPr id="2" name="Titel 1">
+            <a:extLst>
+              <a:ext uri="{FF2B5EF4-FFF2-40B4-BE49-F238E27FC236}">
+                <a16:creationId xmlns:a16="http://schemas.microsoft.com/office/drawing/2014/main" id="{45989448-F6B0-98ED-49D6-7629FDBC13FE}"/>
+              </a:ext>
+            </a:extLst>
+          </p:cNvPr>
+          <p:cNvSpPr>
+            <a:spLocks noGrp="1"/>
+          </p:cNvSpPr>
+          <p:nvPr>
+            <p:ph type="title"/>
+          </p:nvPr>
+        </p:nvSpPr>
+        <p:spPr/>
+        <p:txBody>
+          <a:bodyPr/>
+          <a:lstStyle/>
+          <a:p>
+            <a:r>
+              <a:rPr lang="nl-NL" dirty="0"/>
+              <a:t>Tests</a:t>
+            </a:r>
+            <a:endParaRPr lang="nl-BE" dirty="0"/>
+          </a:p>
+        </p:txBody>
+      </p:sp>
+      <p:sp>
+        <p:nvSpPr>
+          <p:cNvPr id="3" name="Tijdelijke aanduiding voor tekst 2">
+            <a:extLst>
+              <a:ext uri="{FF2B5EF4-FFF2-40B4-BE49-F238E27FC236}">
+                <a16:creationId xmlns:a16="http://schemas.microsoft.com/office/drawing/2014/main" id="{E19E1603-7DD8-3CAD-8B31-40AE574F1A8F}"/>
+              </a:ext>
+            </a:extLst>
+          </p:cNvPr>
+          <p:cNvSpPr>
+            <a:spLocks noGrp="1"/>
+          </p:cNvSpPr>
+          <p:nvPr>
+            <p:ph type="body" idx="1"/>
+          </p:nvPr>
+        </p:nvSpPr>
+        <p:spPr/>
+        <p:txBody>
+          <a:bodyPr/>
+          <a:lstStyle/>
+          <a:p>
+            <a:pPr marL="114300" indent="0">
+              <a:buNone/>
+            </a:pPr>
+            <a:endParaRPr lang="nl-BE" dirty="0"/>
+          </a:p>
+        </p:txBody>
+      </p:sp>
+      <p:sp>
+        <p:nvSpPr>
+          <p:cNvPr id="4" name="Tijdelijke aanduiding voor dianummer 3">
+            <a:extLst>
+              <a:ext uri="{FF2B5EF4-FFF2-40B4-BE49-F238E27FC236}">
+                <a16:creationId xmlns:a16="http://schemas.microsoft.com/office/drawing/2014/main" id="{AD6B646F-FF23-0B0F-4621-DDAC7F2D14EC}"/>
+              </a:ext>
+            </a:extLst>
+          </p:cNvPr>
+          <p:cNvSpPr>
+            <a:spLocks noGrp="1"/>
+          </p:cNvSpPr>
+          <p:nvPr>
+            <p:ph type="sldNum" idx="12"/>
+          </p:nvPr>
+        </p:nvSpPr>
+        <p:spPr/>
+        <p:txBody>
+          <a:bodyPr/>
+          <a:lstStyle/>
+          <a:p>
+            <a:pPr marL="0" lvl="0" indent="0" algn="ctr" rtl="0">
+              <a:spcBef>
+                <a:spcPts val="0"/>
+              </a:spcBef>
+              <a:spcAft>
+                <a:spcPts val="0"/>
+              </a:spcAft>
+              <a:buNone/>
+            </a:pPr>
+            <a:fld id="{00000000-1234-1234-1234-123412341234}" type="slidenum">
+              <a:rPr lang="nl-BE" smtClean="0"/>
+              <a:t>12</a:t>
+            </a:fld>
+            <a:endParaRPr lang="nl-BE"/>
+          </a:p>
+        </p:txBody>
+      </p:sp>
+      <p:pic>
+        <p:nvPicPr>
+          <p:cNvPr id="6" name="Picture 5">
+            <a:extLst>
+              <a:ext uri="{FF2B5EF4-FFF2-40B4-BE49-F238E27FC236}">
+                <a16:creationId xmlns:a16="http://schemas.microsoft.com/office/drawing/2014/main" id="{C8A59F66-3F2E-A164-AFB0-6CC879E8E003}"/>
+              </a:ext>
+            </a:extLst>
+          </p:cNvPr>
+          <p:cNvPicPr>
+            <a:picLocks noChangeAspect="1"/>
+          </p:cNvPicPr>
+          <p:nvPr/>
+        </p:nvPicPr>
+        <p:blipFill>
+          <a:blip r:embed="rId2"/>
+          <a:stretch>
+            <a:fillRect/>
+          </a:stretch>
+        </p:blipFill>
+        <p:spPr>
+          <a:xfrm>
+            <a:off x="311700" y="636725"/>
+            <a:ext cx="3139712" cy="3840813"/>
+          </a:xfrm>
+          <a:prstGeom prst="rect">
+            <a:avLst/>
+          </a:prstGeom>
+        </p:spPr>
+      </p:pic>
+    </p:spTree>
+    <p:extLst>
+      <p:ext uri="{BB962C8B-B14F-4D97-AF65-F5344CB8AC3E}">
+        <p14:creationId xmlns:p14="http://schemas.microsoft.com/office/powerpoint/2010/main" val="4039997676"/>
+      </p:ext>
+    </p:extLst>
+  </p:cSld>
+  <p:clrMapOvr>
+    <a:masterClrMapping/>
+  </p:clrMapOvr>
+</p:sld>
+</file>
+
+<file path=ppt/slides/slide13.xml><?xml version="1.0" encoding="utf-8"?>
+<p:sld xmlns:a="http://schemas.openxmlformats.org/drawingml/2006/main" xmlns:r="http://schemas.openxmlformats.org/officeDocument/2006/relationships" xmlns:p="http://schemas.openxmlformats.org/presentationml/2006/main">
+  <p:cSld>
+    <p:spTree>
+      <p:nvGrpSpPr>
+        <p:cNvPr id="1" name=""/>
+        <p:cNvGrpSpPr/>
+        <p:nvPr/>
+      </p:nvGrpSpPr>
+      <p:grpSpPr>
+        <a:xfrm>
+          <a:off x="0" y="0"/>
+          <a:ext cx="0" cy="0"/>
+          <a:chOff x="0" y="0"/>
+          <a:chExt cx="0" cy="0"/>
+        </a:xfrm>
+      </p:grpSpPr>
+      <p:sp>
+        <p:nvSpPr>
+          <p:cNvPr id="2" name="Titel 1">
+            <a:extLst>
+              <a:ext uri="{FF2B5EF4-FFF2-40B4-BE49-F238E27FC236}">
+                <a16:creationId xmlns:a16="http://schemas.microsoft.com/office/drawing/2014/main" id="{45989448-F6B0-98ED-49D6-7629FDBC13FE}"/>
+              </a:ext>
+            </a:extLst>
+          </p:cNvPr>
+          <p:cNvSpPr>
+            <a:spLocks noGrp="1"/>
+          </p:cNvSpPr>
+          <p:nvPr>
+            <p:ph type="title"/>
+          </p:nvPr>
+        </p:nvSpPr>
+        <p:spPr/>
+        <p:txBody>
+          <a:bodyPr/>
+          <a:lstStyle/>
+          <a:p>
+            <a:r>
+              <a:rPr lang="nl-NL" dirty="0" err="1"/>
+              <a:t>Overview</a:t>
+            </a:r>
+            <a:endParaRPr lang="nl-BE" dirty="0"/>
+          </a:p>
+        </p:txBody>
+      </p:sp>
+      <p:sp>
+        <p:nvSpPr>
+          <p:cNvPr id="3" name="Tijdelijke aanduiding voor tekst 2">
+            <a:extLst>
+              <a:ext uri="{FF2B5EF4-FFF2-40B4-BE49-F238E27FC236}">
+                <a16:creationId xmlns:a16="http://schemas.microsoft.com/office/drawing/2014/main" id="{E19E1603-7DD8-3CAD-8B31-40AE574F1A8F}"/>
+              </a:ext>
+            </a:extLst>
+          </p:cNvPr>
+          <p:cNvSpPr>
+            <a:spLocks noGrp="1"/>
+          </p:cNvSpPr>
+          <p:nvPr>
+            <p:ph type="body" idx="1"/>
+          </p:nvPr>
+        </p:nvSpPr>
+        <p:spPr/>
+        <p:txBody>
+          <a:bodyPr/>
+          <a:lstStyle/>
+          <a:p>
+            <a:pPr marL="114300" indent="0">
+              <a:buNone/>
+            </a:pPr>
+            <a:endParaRPr lang="nl-BE" dirty="0"/>
+          </a:p>
+        </p:txBody>
+      </p:sp>
+      <p:sp>
+        <p:nvSpPr>
+          <p:cNvPr id="4" name="Tijdelijke aanduiding voor dianummer 3">
+            <a:extLst>
+              <a:ext uri="{FF2B5EF4-FFF2-40B4-BE49-F238E27FC236}">
+                <a16:creationId xmlns:a16="http://schemas.microsoft.com/office/drawing/2014/main" id="{AD6B646F-FF23-0B0F-4621-DDAC7F2D14EC}"/>
+              </a:ext>
+            </a:extLst>
+          </p:cNvPr>
+          <p:cNvSpPr>
+            <a:spLocks noGrp="1"/>
+          </p:cNvSpPr>
+          <p:nvPr>
+            <p:ph type="sldNum" idx="12"/>
+          </p:nvPr>
+        </p:nvSpPr>
+        <p:spPr/>
+        <p:txBody>
+          <a:bodyPr/>
+          <a:lstStyle/>
+          <a:p>
+            <a:pPr marL="0" lvl="0" indent="0" algn="ctr" rtl="0">
+              <a:spcBef>
+                <a:spcPts val="0"/>
+              </a:spcBef>
+              <a:spcAft>
+                <a:spcPts val="0"/>
+              </a:spcAft>
+              <a:buNone/>
+            </a:pPr>
+            <a:fld id="{00000000-1234-1234-1234-123412341234}" type="slidenum">
+              <a:rPr lang="nl-BE" smtClean="0"/>
+              <a:t>13</a:t>
+            </a:fld>
+            <a:endParaRPr lang="nl-BE"/>
+          </a:p>
+        </p:txBody>
+      </p:sp>
+      <p:pic>
+        <p:nvPicPr>
+          <p:cNvPr id="7" name="Picture 6">
+            <a:extLst>
+              <a:ext uri="{FF2B5EF4-FFF2-40B4-BE49-F238E27FC236}">
+                <a16:creationId xmlns:a16="http://schemas.microsoft.com/office/drawing/2014/main" id="{E5D583C0-C215-2F81-11E2-2913D65E4124}"/>
+              </a:ext>
+            </a:extLst>
+          </p:cNvPr>
+          <p:cNvPicPr>
+            <a:picLocks noChangeAspect="1"/>
+          </p:cNvPicPr>
+          <p:nvPr/>
+        </p:nvPicPr>
+        <p:blipFill>
+          <a:blip r:embed="rId2"/>
+          <a:stretch>
+            <a:fillRect/>
+          </a:stretch>
+        </p:blipFill>
+        <p:spPr>
+          <a:xfrm>
+            <a:off x="729308" y="636726"/>
+            <a:ext cx="6251356" cy="3911354"/>
+          </a:xfrm>
+          <a:prstGeom prst="rect">
+            <a:avLst/>
+          </a:prstGeom>
+        </p:spPr>
+      </p:pic>
+    </p:spTree>
+    <p:extLst>
+      <p:ext uri="{BB962C8B-B14F-4D97-AF65-F5344CB8AC3E}">
+        <p14:creationId xmlns:p14="http://schemas.microsoft.com/office/powerpoint/2010/main" val="2009701781"/>
+      </p:ext>
+    </p:extLst>
+  </p:cSld>
+  <p:clrMapOvr>
+    <a:masterClrMapping/>
+  </p:clrMapOvr>
+</p:sld>
+</file>
+
+<file path=ppt/slides/slide14.xml><?xml version="1.0" encoding="utf-8"?>
+<p:sld xmlns:a="http://schemas.openxmlformats.org/drawingml/2006/main" xmlns:r="http://schemas.openxmlformats.org/officeDocument/2006/relationships" xmlns:p="http://schemas.openxmlformats.org/presentationml/2006/main">
+  <p:cSld>
+    <p:spTree>
+      <p:nvGrpSpPr>
+        <p:cNvPr id="1" name=""/>
+        <p:cNvGrpSpPr/>
+        <p:nvPr/>
+      </p:nvGrpSpPr>
+      <p:grpSpPr>
+        <a:xfrm>
+          <a:off x="0" y="0"/>
+          <a:ext cx="0" cy="0"/>
+          <a:chOff x="0" y="0"/>
+          <a:chExt cx="0" cy="0"/>
+        </a:xfrm>
+      </p:grpSpPr>
+      <p:sp>
+        <p:nvSpPr>
+          <p:cNvPr id="2" name="Titel 1">
+            <a:extLst>
+              <a:ext uri="{FF2B5EF4-FFF2-40B4-BE49-F238E27FC236}">
+                <a16:creationId xmlns:a16="http://schemas.microsoft.com/office/drawing/2014/main" id="{45989448-F6B0-98ED-49D6-7629FDBC13FE}"/>
+              </a:ext>
+            </a:extLst>
+          </p:cNvPr>
+          <p:cNvSpPr>
+            <a:spLocks noGrp="1"/>
+          </p:cNvSpPr>
+          <p:nvPr>
+            <p:ph type="title"/>
+          </p:nvPr>
+        </p:nvSpPr>
+        <p:spPr/>
+        <p:txBody>
+          <a:bodyPr/>
+          <a:lstStyle/>
+          <a:p>
+            <a:r>
+              <a:rPr lang="nl-NL" dirty="0"/>
+              <a:t>Demo</a:t>
+            </a:r>
+            <a:endParaRPr lang="nl-BE" dirty="0"/>
+          </a:p>
+        </p:txBody>
+      </p:sp>
+      <p:sp>
+        <p:nvSpPr>
+          <p:cNvPr id="3" name="Tijdelijke aanduiding voor tekst 2">
+            <a:extLst>
+              <a:ext uri="{FF2B5EF4-FFF2-40B4-BE49-F238E27FC236}">
+                <a16:creationId xmlns:a16="http://schemas.microsoft.com/office/drawing/2014/main" id="{E19E1603-7DD8-3CAD-8B31-40AE574F1A8F}"/>
+              </a:ext>
+            </a:extLst>
+          </p:cNvPr>
+          <p:cNvSpPr>
+            <a:spLocks noGrp="1"/>
+          </p:cNvSpPr>
+          <p:nvPr>
+            <p:ph type="body" idx="1"/>
+          </p:nvPr>
+        </p:nvSpPr>
+        <p:spPr/>
+        <p:txBody>
+          <a:bodyPr/>
+          <a:lstStyle/>
+          <a:p>
+            <a:endParaRPr lang="nl-BE" dirty="0"/>
+          </a:p>
+        </p:txBody>
+      </p:sp>
+      <p:sp>
+        <p:nvSpPr>
+          <p:cNvPr id="4" name="Tijdelijke aanduiding voor dianummer 3">
+            <a:extLst>
+              <a:ext uri="{FF2B5EF4-FFF2-40B4-BE49-F238E27FC236}">
+                <a16:creationId xmlns:a16="http://schemas.microsoft.com/office/drawing/2014/main" id="{AD6B646F-FF23-0B0F-4621-DDAC7F2D14EC}"/>
+              </a:ext>
+            </a:extLst>
+          </p:cNvPr>
+          <p:cNvSpPr>
+            <a:spLocks noGrp="1"/>
+          </p:cNvSpPr>
+          <p:nvPr>
+            <p:ph type="sldNum" idx="12"/>
+          </p:nvPr>
+        </p:nvSpPr>
+        <p:spPr/>
+        <p:txBody>
+          <a:bodyPr/>
+          <a:lstStyle/>
+          <a:p>
+            <a:pPr marL="0" lvl="0" indent="0" algn="ctr" rtl="0">
+              <a:spcBef>
+                <a:spcPts val="0"/>
+              </a:spcBef>
+              <a:spcAft>
+                <a:spcPts val="0"/>
+              </a:spcAft>
+              <a:buNone/>
+            </a:pPr>
+            <a:fld id="{00000000-1234-1234-1234-123412341234}" type="slidenum">
+              <a:rPr lang="nl-BE" smtClean="0"/>
+              <a:t>14</a:t>
+            </a:fld>
+            <a:endParaRPr lang="nl-BE"/>
+          </a:p>
+        </p:txBody>
+      </p:sp>
+    </p:spTree>
+    <p:extLst>
+      <p:ext uri="{BB962C8B-B14F-4D97-AF65-F5344CB8AC3E}">
+        <p14:creationId xmlns:p14="http://schemas.microsoft.com/office/powerpoint/2010/main" val="4046778602"/>
+      </p:ext>
+    </p:extLst>
   </p:cSld>
   <p:clrMapOvr>
     <a:masterClrMapping/>
@@ -8945,12 +9713,6 @@
         <p:txBody>
           <a:bodyPr/>
           <a:lstStyle/>
-          <a:p>
-            <a:r>
-              <a:rPr lang="nl-NL" dirty="0"/>
-              <a:t>Momenteel niet 100% klaar</a:t>
-            </a:r>
-          </a:p>
           <a:p>
             <a:r>
               <a:rPr lang="nl-NL" dirty="0"/>
@@ -9806,7 +10568,7 @@
           <a:p>
             <a:r>
               <a:rPr lang="nl-NL" dirty="0"/>
-              <a:t>Demo</a:t>
+              <a:t>Functionaliteit</a:t>
             </a:r>
             <a:endParaRPr lang="nl-BE" dirty="0"/>
           </a:p>
@@ -9833,6 +10595,77 @@
           <a:bodyPr/>
           <a:lstStyle/>
           <a:p>
+            <a:pPr marL="114300" indent="0">
+              <a:buNone/>
+            </a:pPr>
+            <a:r>
+              <a:rPr lang="nl-BE" dirty="0"/>
+              <a:t>Kunnen registreren van (jongeren) groepsreizen</a:t>
+            </a:r>
+          </a:p>
+          <a:p>
+            <a:r>
+              <a:rPr lang="nl-BE" dirty="0"/>
+              <a:t>Verschillende bestemmingen</a:t>
+            </a:r>
+          </a:p>
+          <a:p>
+            <a:r>
+              <a:rPr lang="nl-BE" dirty="0"/>
+              <a:t>Verschillende thema’s</a:t>
+            </a:r>
+          </a:p>
+          <a:p>
+            <a:r>
+              <a:rPr lang="nl-BE" dirty="0"/>
+              <a:t>Verschillende </a:t>
+            </a:r>
+            <a:r>
+              <a:rPr lang="nl-BE" dirty="0" err="1"/>
+              <a:t>leeftijdscategoriën</a:t>
+            </a:r>
+            <a:endParaRPr lang="nl-BE" dirty="0"/>
+          </a:p>
+          <a:p>
+            <a:r>
+              <a:rPr lang="nl-BE" dirty="0"/>
+              <a:t>Reizigers</a:t>
+            </a:r>
+          </a:p>
+          <a:p>
+            <a:endParaRPr lang="nl-BE" dirty="0"/>
+          </a:p>
+          <a:p>
+            <a:pPr marL="114300" indent="0">
+              <a:buNone/>
+            </a:pPr>
+            <a:r>
+              <a:rPr lang="nl-BE" dirty="0"/>
+              <a:t>Registreren van opleidingen voor personen</a:t>
+            </a:r>
+          </a:p>
+          <a:p>
+            <a:r>
+              <a:rPr lang="nl-BE" dirty="0"/>
+              <a:t>Monitor</a:t>
+            </a:r>
+          </a:p>
+          <a:p>
+            <a:r>
+              <a:rPr lang="nl-BE" dirty="0"/>
+              <a:t>EHBO-verantwoordelijke</a:t>
+            </a:r>
+          </a:p>
+          <a:p>
+            <a:pPr marL="114300" indent="0">
+              <a:buNone/>
+            </a:pPr>
+            <a:r>
+              <a:rPr lang="nl-BE" dirty="0"/>
+              <a:t>Personen kunnen dan in hun specifieke rol mee in de groepsreis</a:t>
+            </a:r>
+          </a:p>
+          <a:p>
             <a:endParaRPr lang="nl-BE" dirty="0"/>
           </a:p>
         </p:txBody>
@@ -9878,7 +10711,7 @@
     </p:spTree>
     <p:extLst>
       <p:ext uri="{BB962C8B-B14F-4D97-AF65-F5344CB8AC3E}">
-        <p14:creationId xmlns:p14="http://schemas.microsoft.com/office/powerpoint/2010/main" val="3604832205"/>
+        <p14:creationId xmlns:p14="http://schemas.microsoft.com/office/powerpoint/2010/main" val="896575944"/>
       </p:ext>
     </p:extLst>
   </p:cSld>
